--- a/csapp/malloc.pptx
+++ b/csapp/malloc.pptx
@@ -4768,7 +4768,7 @@
         <p:spPr>
           <a:xfrm>
             <a:off x="7285355" y="3644265"/>
-            <a:ext cx="2802890" cy="363855"/>
+            <a:ext cx="2809240" cy="363855"/>
           </a:xfrm>
           <a:prstGeom prst="rect">
             <a:avLst/>
@@ -4935,6 +4935,45 @@
           </a:fillRef>
           <a:effectRef idx="0">
             <a:schemeClr val="accent4"/>
+          </a:effectRef>
+          <a:fontRef idx="minor">
+            <a:schemeClr val="lt1"/>
+          </a:fontRef>
+        </p:style>
+        <p:txBody>
+          <a:bodyPr rtlCol="0" anchor="ctr"/>
+          <a:p>
+            <a:pPr algn="ctr"/>
+            <a:endParaRPr lang="en-US"/>
+          </a:p>
+        </p:txBody>
+      </p:sp>
+      <p:sp>
+        <p:nvSpPr>
+          <p:cNvPr id="20" name="Right Arrow 19"/>
+          <p:cNvSpPr/>
+          <p:nvPr/>
+        </p:nvSpPr>
+        <p:spPr>
+          <a:xfrm>
+            <a:off x="5177155" y="2611120"/>
+            <a:ext cx="1487170" cy="697865"/>
+          </a:xfrm>
+          <a:prstGeom prst="rightArrow">
+            <a:avLst/>
+          </a:prstGeom>
+        </p:spPr>
+        <p:style>
+          <a:lnRef idx="2">
+            <a:schemeClr val="accent1">
+              <a:shade val="50000"/>
+            </a:schemeClr>
+          </a:lnRef>
+          <a:fillRef idx="1">
+            <a:schemeClr val="accent1"/>
+          </a:fillRef>
+          <a:effectRef idx="0">
+            <a:schemeClr val="accent1"/>
           </a:effectRef>
           <a:fontRef idx="minor">
             <a:schemeClr val="lt1"/>
